--- a/Java_softwareTesting.pptx
+++ b/Java_softwareTesting.pptx
@@ -114,6 +114,11 @@
       </a:defRPr>
     </a:lvl9pPr>
   </p:defaultTextStyle>
+  <p:extLst>
+    <p:ext uri="{EFAFB233-063F-42B5-8137-9DF3F51BA10A}">
+      <p15:sldGuideLst xmlns:p15="http://schemas.microsoft.com/office/powerpoint/2012/main"/>
+    </p:ext>
+  </p:extLst>
 </p:presentation>
 </file>
 
@@ -5211,8 +5216,8 @@
         </p:blipFill>
         <p:spPr>
           <a:xfrm>
-            <a:off x="838200" y="1550202"/>
-            <a:ext cx="5891932" cy="4597209"/>
+            <a:off x="205648" y="1550202"/>
+            <a:ext cx="4760010" cy="3714022"/>
           </a:xfrm>
         </p:spPr>
       </p:pic>
@@ -5225,13 +5230,15 @@
               </a:ext>
             </a:extLst>
           </p:cNvPr>
-          <p:cNvCxnSpPr/>
+          <p:cNvCxnSpPr>
+            <a:cxnSpLocks/>
+          </p:cNvCxnSpPr>
           <p:nvPr/>
         </p:nvCxnSpPr>
         <p:spPr>
-          <a:xfrm>
-            <a:off x="6096000" y="3844887"/>
-            <a:ext cx="1428520" cy="0"/>
+          <a:xfrm flipH="1">
+            <a:off x="3877937" y="3440017"/>
+            <a:ext cx="373461" cy="1824207"/>
           </a:xfrm>
           <a:prstGeom prst="straightConnector1">
             <a:avLst/>
@@ -5270,9 +5277,9 @@
           <p:nvPr/>
         </p:nvCxnSpPr>
         <p:spPr>
-          <a:xfrm>
-            <a:off x="4667480" y="5264227"/>
-            <a:ext cx="3264665" cy="0"/>
+          <a:xfrm flipH="1">
+            <a:off x="838200" y="4527933"/>
+            <a:ext cx="1541443" cy="1197174"/>
           </a:xfrm>
           <a:prstGeom prst="straightConnector1">
             <a:avLst/>
@@ -5310,8 +5317,8 @@
         </p:nvSpPr>
         <p:spPr>
           <a:xfrm>
-            <a:off x="8108414" y="5078776"/>
-            <a:ext cx="3877938" cy="646331"/>
+            <a:off x="205648" y="5802970"/>
+            <a:ext cx="2085860" cy="538746"/>
           </a:xfrm>
           <a:prstGeom prst="rect">
             <a:avLst/>
@@ -5325,8 +5332,14 @@
           <a:lstStyle/>
           <a:p>
             <a:r>
-              <a:rPr lang="en-US" dirty="0"/>
-              <a:t>Simulate server calculate results and return it back </a:t>
+              <a:rPr lang="en-US" sz="1400" dirty="0"/>
+              <a:t>Simulate server calculate</a:t>
+            </a:r>
+          </a:p>
+          <a:p>
+            <a:r>
+              <a:rPr lang="en-US" sz="1400" dirty="0"/>
+              <a:t> results and return it back </a:t>
             </a:r>
           </a:p>
         </p:txBody>
@@ -5345,8 +5358,8 @@
         </p:nvSpPr>
         <p:spPr>
           <a:xfrm>
-            <a:off x="7732004" y="3627099"/>
-            <a:ext cx="3877938" cy="369332"/>
+            <a:off x="2687559" y="5336777"/>
+            <a:ext cx="3877938" cy="307777"/>
           </a:xfrm>
           <a:prstGeom prst="rect">
             <a:avLst/>
@@ -5360,17 +5373,77 @@
           <a:lstStyle/>
           <a:p>
             <a:r>
-              <a:rPr lang="en-US" dirty="0"/>
-              <a:t>Create object of the </a:t>
-            </a:r>
-            <a:r>
-              <a:rPr lang="en-US"/>
-              <a:t>server service</a:t>
-            </a:r>
-            <a:endParaRPr lang="en-US" dirty="0"/>
-          </a:p>
-        </p:txBody>
-      </p:sp>
+              <a:rPr lang="en-US" sz="1400" dirty="0"/>
+              <a:t>Create object of the server service</a:t>
+            </a:r>
+          </a:p>
+        </p:txBody>
+      </p:sp>
+      <p:sp>
+        <p:nvSpPr>
+          <p:cNvPr id="12" name="TextBox 11">
+            <a:extLst>
+              <a:ext uri="{FF2B5EF4-FFF2-40B4-BE49-F238E27FC236}">
+                <a16:creationId xmlns:a16="http://schemas.microsoft.com/office/drawing/2014/main" id="{285A7757-6CEB-4FED-B3E1-A89181A0B513}"/>
+              </a:ext>
+            </a:extLst>
+          </p:cNvPr>
+          <p:cNvSpPr txBox="1"/>
+          <p:nvPr/>
+        </p:nvSpPr>
+        <p:spPr>
+          <a:xfrm>
+            <a:off x="5442333" y="2875402"/>
+            <a:ext cx="407624" cy="646331"/>
+          </a:xfrm>
+          <a:prstGeom prst="rect">
+            <a:avLst/>
+          </a:prstGeom>
+          <a:noFill/>
+        </p:spPr>
+        <p:txBody>
+          <a:bodyPr wrap="square" rtlCol="0">
+            <a:spAutoFit/>
+          </a:bodyPr>
+          <a:lstStyle/>
+          <a:p>
+            <a:r>
+              <a:rPr lang="en-US" sz="3600" b="1" dirty="0"/>
+              <a:t>=</a:t>
+            </a:r>
+          </a:p>
+        </p:txBody>
+      </p:sp>
+      <p:pic>
+        <p:nvPicPr>
+          <p:cNvPr id="16" name="Picture 15">
+            <a:extLst>
+              <a:ext uri="{FF2B5EF4-FFF2-40B4-BE49-F238E27FC236}">
+                <a16:creationId xmlns:a16="http://schemas.microsoft.com/office/drawing/2014/main" id="{0D34DABA-F24C-4CC4-9EE6-BA8749DAF552}"/>
+              </a:ext>
+            </a:extLst>
+          </p:cNvPr>
+          <p:cNvPicPr>
+            <a:picLocks noChangeAspect="1"/>
+          </p:cNvPicPr>
+          <p:nvPr/>
+        </p:nvPicPr>
+        <p:blipFill>
+          <a:blip r:embed="rId3"/>
+          <a:stretch>
+            <a:fillRect/>
+          </a:stretch>
+        </p:blipFill>
+        <p:spPr>
+          <a:xfrm>
+            <a:off x="6482509" y="1550202"/>
+            <a:ext cx="4686300" cy="4410075"/>
+          </a:xfrm>
+          <a:prstGeom prst="rect">
+            <a:avLst/>
+          </a:prstGeom>
+        </p:spPr>
+      </p:pic>
     </p:spTree>
     <p:extLst>
       <p:ext uri="{BB962C8B-B14F-4D97-AF65-F5344CB8AC3E}">
